--- a/[presentation/[5]javascript_oop.pptx
+++ b/[presentation/[5]javascript_oop.pptx
@@ -5,7 +5,7 @@
     <p:sldMasterId id="2147483648" r:id="rId1"/>
   </p:sldMasterIdLst>
   <p:notesMasterIdLst>
-    <p:notesMasterId r:id="rId33"/>
+    <p:notesMasterId r:id="rId34"/>
   </p:notesMasterIdLst>
   <p:sldIdLst>
     <p:sldId id="298" r:id="rId2"/>
@@ -38,7 +38,8 @@
     <p:sldId id="290" r:id="rId29"/>
     <p:sldId id="307" r:id="rId30"/>
     <p:sldId id="309" r:id="rId31"/>
-    <p:sldId id="308" r:id="rId32"/>
+    <p:sldId id="310" r:id="rId32"/>
+    <p:sldId id="308" r:id="rId33"/>
   </p:sldIdLst>
   <p:sldSz cx="9144000" cy="6858000" type="screen4x3"/>
   <p:notesSz cx="6858000" cy="9144000"/>
@@ -4536,6 +4537,13 @@
   <p:clrMapOvr>
     <a:masterClrMapping/>
   </p:clrMapOvr>
+  <p:timing>
+    <p:tnLst>
+      <p:par>
+        <p:cTn id="1" dur="indefinite" restart="never" nodeType="tmRoot"/>
+      </p:par>
+    </p:tnLst>
+  </p:timing>
 </p:sld>
 </file>
 
@@ -13880,14 +13888,14 @@
               <a:t>(</a:t>
             </a:r>
             <a:r>
-              <a:rPr lang="en-US" sz="2000" dirty="0" smtClean="0">
+              <a:rPr lang="en-US" sz="2000" dirty="0" err="1" smtClean="0">
                 <a:solidFill>
                   <a:srgbClr val="FF0000"/>
                 </a:solidFill>
                 <a:latin typeface="微软雅黑" pitchFamily="34" charset="-122"/>
                 <a:ea typeface="微软雅黑" pitchFamily="34" charset="-122"/>
               </a:rPr>
-              <a:t>this</a:t>
+              <a:t>tihs</a:t>
             </a:r>
             <a:r>
               <a:rPr lang="en-US" sz="2000" dirty="0" smtClean="0">
@@ -18048,6 +18056,90 @@
           </a:fontRef>
         </p:style>
       </p:cxnSp>
+      <p:sp>
+        <p:nvSpPr>
+          <p:cNvPr id="30" name="矩形 26"/>
+          <p:cNvSpPr/>
+          <p:nvPr/>
+        </p:nvSpPr>
+        <p:spPr>
+          <a:xfrm>
+            <a:off x="3847976" y="3242130"/>
+            <a:ext cx="2786082" cy="226456"/>
+          </a:xfrm>
+          <a:prstGeom prst="rect">
+            <a:avLst/>
+          </a:prstGeom>
+        </p:spPr>
+        <p:style>
+          <a:lnRef idx="2">
+            <a:schemeClr val="accent2"/>
+          </a:lnRef>
+          <a:fillRef idx="1">
+            <a:schemeClr val="lt1"/>
+          </a:fillRef>
+          <a:effectRef idx="0">
+            <a:schemeClr val="accent2"/>
+          </a:effectRef>
+          <a:fontRef idx="minor">
+            <a:schemeClr val="dk1"/>
+          </a:fontRef>
+        </p:style>
+        <p:txBody>
+          <a:bodyPr rtlCol="0" anchor="ctr"/>
+          <a:lstStyle/>
+          <a:p>
+            <a:pPr algn="ctr"/>
+            <a:r>
+              <a:rPr lang="en-US" altLang="zh-CN" dirty="0" smtClean="0"/>
+              <a:t>name</a:t>
+            </a:r>
+            <a:endParaRPr lang="en-US" altLang="zh-CN" dirty="0" smtClean="0"/>
+          </a:p>
+        </p:txBody>
+      </p:sp>
+      <p:sp>
+        <p:nvSpPr>
+          <p:cNvPr id="32" name="矩形 26"/>
+          <p:cNvSpPr/>
+          <p:nvPr/>
+        </p:nvSpPr>
+        <p:spPr>
+          <a:xfrm>
+            <a:off x="3847976" y="3492163"/>
+            <a:ext cx="2786082" cy="250033"/>
+          </a:xfrm>
+          <a:prstGeom prst="rect">
+            <a:avLst/>
+          </a:prstGeom>
+        </p:spPr>
+        <p:style>
+          <a:lnRef idx="2">
+            <a:schemeClr val="accent2"/>
+          </a:lnRef>
+          <a:fillRef idx="1">
+            <a:schemeClr val="lt1"/>
+          </a:fillRef>
+          <a:effectRef idx="0">
+            <a:schemeClr val="accent2"/>
+          </a:effectRef>
+          <a:fontRef idx="minor">
+            <a:schemeClr val="dk1"/>
+          </a:fontRef>
+        </p:style>
+        <p:txBody>
+          <a:bodyPr rtlCol="0" anchor="ctr"/>
+          <a:lstStyle/>
+          <a:p>
+            <a:pPr algn="ctr"/>
+            <a:r>
+              <a:rPr lang="en-US" altLang="zh-CN" dirty="0" smtClean="0"/>
+              <a:t>color</a:t>
+            </a:r>
+            <a:endParaRPr lang="en-US" altLang="zh-CN" dirty="0" smtClean="0"/>
+          </a:p>
+        </p:txBody>
+      </p:sp>
     </p:spTree>
     <p:extLst>
       <p:ext uri="{BB962C8B-B14F-4D97-AF65-F5344CB8AC3E}">
@@ -18094,7 +18186,7 @@
         <p:spPr>
           <a:xfrm>
             <a:off x="1331640" y="1412776"/>
-            <a:ext cx="6318448" cy="2585323"/>
+            <a:ext cx="6318448" cy="3139321"/>
           </a:xfrm>
           <a:prstGeom prst="rect">
             <a:avLst/>
@@ -18129,8 +18221,44 @@
                 <a:ea typeface="微软雅黑" pitchFamily="34" charset="-122"/>
                 <a:cs typeface="Meiryo UI" pitchFamily="34" charset="-128"/>
               </a:rPr>
-              <a:t>function Person(name){</a:t>
-            </a:r>
+              <a:t>function Person(name</a:t>
+            </a:r>
+            <a:r>
+              <a:rPr lang="en-US" altLang="zh-CN" dirty="0" smtClean="0">
+                <a:latin typeface="微软雅黑" pitchFamily="34" charset="-122"/>
+                <a:ea typeface="微软雅黑" pitchFamily="34" charset="-122"/>
+                <a:cs typeface="Meiryo UI" pitchFamily="34" charset="-128"/>
+              </a:rPr>
+              <a:t>){</a:t>
+            </a:r>
+          </a:p>
+          <a:p>
+            <a:pPr>
+              <a:buNone/>
+            </a:pPr>
+            <a:r>
+              <a:rPr lang="en-US" altLang="zh-CN" dirty="0" smtClean="0">
+                <a:solidFill>
+                  <a:schemeClr val="bg1">
+                    <a:lumMod val="75000"/>
+                  </a:schemeClr>
+                </a:solidFill>
+                <a:latin typeface="微软雅黑" pitchFamily="34" charset="-122"/>
+                <a:ea typeface="微软雅黑" pitchFamily="34" charset="-122"/>
+                <a:cs typeface="Meiryo UI" pitchFamily="34" charset="-128"/>
+              </a:rPr>
+              <a:t>//this is {}</a:t>
+            </a:r>
+            <a:endParaRPr lang="en-US" altLang="zh-CN" dirty="0">
+              <a:solidFill>
+                <a:schemeClr val="bg1">
+                  <a:lumMod val="75000"/>
+                </a:schemeClr>
+              </a:solidFill>
+              <a:latin typeface="微软雅黑" pitchFamily="34" charset="-122"/>
+              <a:ea typeface="微软雅黑" pitchFamily="34" charset="-122"/>
+              <a:cs typeface="Meiryo UI" pitchFamily="34" charset="-128"/>
+            </a:endParaRPr>
           </a:p>
           <a:p>
             <a:pPr>
@@ -18246,8 +18374,70 @@
                 <a:ea typeface="微软雅黑" pitchFamily="34" charset="-122"/>
                 <a:cs typeface="Meiryo UI" pitchFamily="34" charset="-128"/>
               </a:rPr>
-              <a:t>	}</a:t>
-            </a:r>
+              <a:t>	</a:t>
+            </a:r>
+            <a:r>
+              <a:rPr lang="en-US" altLang="zh-CN" dirty="0" smtClean="0">
+                <a:latin typeface="微软雅黑" pitchFamily="34" charset="-122"/>
+                <a:ea typeface="微软雅黑" pitchFamily="34" charset="-122"/>
+                <a:cs typeface="Meiryo UI" pitchFamily="34" charset="-128"/>
+              </a:rPr>
+              <a:t>}</a:t>
+            </a:r>
+          </a:p>
+          <a:p>
+            <a:pPr>
+              <a:buNone/>
+            </a:pPr>
+            <a:r>
+              <a:rPr lang="en-US" altLang="zh-CN" dirty="0" smtClean="0">
+                <a:solidFill>
+                  <a:schemeClr val="bg1">
+                    <a:lumMod val="75000"/>
+                  </a:schemeClr>
+                </a:solidFill>
+                <a:latin typeface="微软雅黑" pitchFamily="34" charset="-122"/>
+                <a:ea typeface="微软雅黑" pitchFamily="34" charset="-122"/>
+                <a:cs typeface="Meiryo UI" pitchFamily="34" charset="-128"/>
+              </a:rPr>
+              <a:t>//{name:..,</a:t>
+            </a:r>
+            <a:r>
+              <a:rPr lang="en-US" altLang="zh-CN" dirty="0" err="1" smtClean="0">
+                <a:solidFill>
+                  <a:schemeClr val="bg1">
+                    <a:lumMod val="75000"/>
+                  </a:schemeClr>
+                </a:solidFill>
+                <a:latin typeface="微软雅黑" pitchFamily="34" charset="-122"/>
+                <a:ea typeface="微软雅黑" pitchFamily="34" charset="-122"/>
+                <a:cs typeface="Meiryo UI" pitchFamily="34" charset="-128"/>
+              </a:rPr>
+              <a:t>say:function</a:t>
+            </a:r>
+            <a:r>
+              <a:rPr lang="en-US" altLang="zh-CN" dirty="0" smtClean="0">
+                <a:solidFill>
+                  <a:schemeClr val="bg1">
+                    <a:lumMod val="75000"/>
+                  </a:schemeClr>
+                </a:solidFill>
+                <a:latin typeface="微软雅黑" pitchFamily="34" charset="-122"/>
+                <a:ea typeface="微软雅黑" pitchFamily="34" charset="-122"/>
+                <a:cs typeface="Meiryo UI" pitchFamily="34" charset="-128"/>
+              </a:rPr>
+              <a:t>}</a:t>
+            </a:r>
+            <a:endParaRPr lang="en-US" altLang="zh-CN" dirty="0">
+              <a:solidFill>
+                <a:schemeClr val="bg1">
+                  <a:lumMod val="75000"/>
+                </a:schemeClr>
+              </a:solidFill>
+              <a:latin typeface="微软雅黑" pitchFamily="34" charset="-122"/>
+              <a:ea typeface="微软雅黑" pitchFamily="34" charset="-122"/>
+              <a:cs typeface="Meiryo UI" pitchFamily="34" charset="-128"/>
+            </a:endParaRPr>
           </a:p>
           <a:p>
             <a:pPr>
@@ -18658,31 +18848,7 @@
                 <a:latin typeface="微软雅黑" pitchFamily="34" charset="-122"/>
                 <a:ea typeface="微软雅黑" pitchFamily="34" charset="-122"/>
               </a:rPr>
-              <a:t> </a:t>
-            </a:r>
-            <a:r>
-              <a:rPr lang="en-US" altLang="zh-CN" sz="1900" dirty="0" smtClean="0">
-                <a:solidFill>
-                  <a:schemeClr val="bg1">
-                    <a:lumMod val="65000"/>
-                  </a:schemeClr>
-                </a:solidFill>
-                <a:latin typeface="微软雅黑" pitchFamily="34" charset="-122"/>
-                <a:ea typeface="微软雅黑" pitchFamily="34" charset="-122"/>
-              </a:rPr>
-              <a:t>= new Animal</a:t>
-            </a:r>
-            <a:r>
-              <a:rPr lang="en-US" altLang="zh-CN" sz="1900" dirty="0" smtClean="0">
-                <a:solidFill>
-                  <a:schemeClr val="bg1">
-                    <a:lumMod val="65000"/>
-                  </a:schemeClr>
-                </a:solidFill>
-                <a:latin typeface="微软雅黑" pitchFamily="34" charset="-122"/>
-                <a:ea typeface="微软雅黑" pitchFamily="34" charset="-122"/>
-              </a:rPr>
-              <a:t>();</a:t>
+              <a:t> = new Animal();</a:t>
             </a:r>
           </a:p>
           <a:p>
@@ -19392,6 +19558,1084 @@
       </p:grpSpPr>
       <p:sp>
         <p:nvSpPr>
+          <p:cNvPr id="6" name="矩形 5"/>
+          <p:cNvSpPr/>
+          <p:nvPr/>
+        </p:nvSpPr>
+        <p:spPr>
+          <a:xfrm>
+            <a:off x="374621" y="260648"/>
+            <a:ext cx="2786082" cy="428628"/>
+          </a:xfrm>
+          <a:prstGeom prst="rect">
+            <a:avLst/>
+          </a:prstGeom>
+        </p:spPr>
+        <p:style>
+          <a:lnRef idx="2">
+            <a:schemeClr val="accent5">
+              <a:shade val="50000"/>
+            </a:schemeClr>
+          </a:lnRef>
+          <a:fillRef idx="1">
+            <a:schemeClr val="accent5"/>
+          </a:fillRef>
+          <a:effectRef idx="0">
+            <a:schemeClr val="accent5"/>
+          </a:effectRef>
+          <a:fontRef idx="minor">
+            <a:schemeClr val="lt1"/>
+          </a:fontRef>
+        </p:style>
+        <p:txBody>
+          <a:bodyPr rtlCol="0" anchor="ctr"/>
+          <a:lstStyle/>
+          <a:p>
+            <a:pPr algn="ctr"/>
+            <a:r>
+              <a:rPr lang="en-US" altLang="zh-CN" dirty="0" smtClean="0"/>
+              <a:t>[Function]Animal</a:t>
+            </a:r>
+            <a:endParaRPr lang="zh-CN" altLang="en-US" dirty="0"/>
+          </a:p>
+        </p:txBody>
+      </p:sp>
+      <p:sp>
+        <p:nvSpPr>
+          <p:cNvPr id="7" name="矩形 6"/>
+          <p:cNvSpPr/>
+          <p:nvPr/>
+        </p:nvSpPr>
+        <p:spPr>
+          <a:xfrm>
+            <a:off x="374621" y="689276"/>
+            <a:ext cx="2786082" cy="500066"/>
+          </a:xfrm>
+          <a:prstGeom prst="rect">
+            <a:avLst/>
+          </a:prstGeom>
+        </p:spPr>
+        <p:style>
+          <a:lnRef idx="2">
+            <a:schemeClr val="accent5"/>
+          </a:lnRef>
+          <a:fillRef idx="1">
+            <a:schemeClr val="lt1"/>
+          </a:fillRef>
+          <a:effectRef idx="0">
+            <a:schemeClr val="accent5"/>
+          </a:effectRef>
+          <a:fontRef idx="minor">
+            <a:schemeClr val="dk1"/>
+          </a:fontRef>
+        </p:style>
+        <p:txBody>
+          <a:bodyPr rtlCol="0" anchor="ctr"/>
+          <a:lstStyle/>
+          <a:p>
+            <a:pPr algn="ctr"/>
+            <a:r>
+              <a:rPr lang="en-US" altLang="zh-CN" dirty="0" smtClean="0"/>
+              <a:t>prototype</a:t>
+            </a:r>
+          </a:p>
+        </p:txBody>
+      </p:sp>
+      <p:sp>
+        <p:nvSpPr>
+          <p:cNvPr id="9" name="矩形 8"/>
+          <p:cNvSpPr/>
+          <p:nvPr/>
+        </p:nvSpPr>
+        <p:spPr>
+          <a:xfrm>
+            <a:off x="319119" y="2926730"/>
+            <a:ext cx="2786082" cy="428628"/>
+          </a:xfrm>
+          <a:prstGeom prst="rect">
+            <a:avLst/>
+          </a:prstGeom>
+        </p:spPr>
+        <p:style>
+          <a:lnRef idx="2">
+            <a:schemeClr val="accent5">
+              <a:shade val="50000"/>
+            </a:schemeClr>
+          </a:lnRef>
+          <a:fillRef idx="1">
+            <a:schemeClr val="accent5"/>
+          </a:fillRef>
+          <a:effectRef idx="0">
+            <a:schemeClr val="accent5"/>
+          </a:effectRef>
+          <a:fontRef idx="minor">
+            <a:schemeClr val="lt1"/>
+          </a:fontRef>
+        </p:style>
+        <p:txBody>
+          <a:bodyPr rtlCol="0" anchor="ctr"/>
+          <a:lstStyle/>
+          <a:p>
+            <a:pPr algn="ctr"/>
+            <a:r>
+              <a:rPr lang="en-US" altLang="zh-CN" dirty="0" smtClean="0"/>
+              <a:t>[Function]Dog</a:t>
+            </a:r>
+            <a:endParaRPr lang="zh-CN" altLang="en-US" dirty="0"/>
+          </a:p>
+        </p:txBody>
+      </p:sp>
+      <p:sp>
+        <p:nvSpPr>
+          <p:cNvPr id="10" name="矩形 9"/>
+          <p:cNvSpPr/>
+          <p:nvPr/>
+        </p:nvSpPr>
+        <p:spPr>
+          <a:xfrm>
+            <a:off x="319119" y="3355358"/>
+            <a:ext cx="2786082" cy="500066"/>
+          </a:xfrm>
+          <a:prstGeom prst="rect">
+            <a:avLst/>
+          </a:prstGeom>
+        </p:spPr>
+        <p:style>
+          <a:lnRef idx="2">
+            <a:schemeClr val="accent5"/>
+          </a:lnRef>
+          <a:fillRef idx="1">
+            <a:schemeClr val="lt1"/>
+          </a:fillRef>
+          <a:effectRef idx="0">
+            <a:schemeClr val="accent5"/>
+          </a:effectRef>
+          <a:fontRef idx="minor">
+            <a:schemeClr val="dk1"/>
+          </a:fontRef>
+        </p:style>
+        <p:txBody>
+          <a:bodyPr rtlCol="0" anchor="ctr"/>
+          <a:lstStyle/>
+          <a:p>
+            <a:pPr algn="ctr"/>
+            <a:r>
+              <a:rPr lang="en-US" altLang="zh-CN" dirty="0" smtClean="0"/>
+              <a:t>prototype</a:t>
+            </a:r>
+          </a:p>
+        </p:txBody>
+      </p:sp>
+      <p:sp>
+        <p:nvSpPr>
+          <p:cNvPr id="12" name="矩形 11"/>
+          <p:cNvSpPr/>
+          <p:nvPr/>
+        </p:nvSpPr>
+        <p:spPr>
+          <a:xfrm>
+            <a:off x="301657" y="4997535"/>
+            <a:ext cx="2080000" cy="428628"/>
+          </a:xfrm>
+          <a:prstGeom prst="rect">
+            <a:avLst/>
+          </a:prstGeom>
+        </p:spPr>
+        <p:style>
+          <a:lnRef idx="2">
+            <a:schemeClr val="accent2"/>
+          </a:lnRef>
+          <a:fillRef idx="1">
+            <a:schemeClr val="lt1"/>
+          </a:fillRef>
+          <a:effectRef idx="0">
+            <a:schemeClr val="accent2"/>
+          </a:effectRef>
+          <a:fontRef idx="minor">
+            <a:schemeClr val="dk1"/>
+          </a:fontRef>
+        </p:style>
+        <p:txBody>
+          <a:bodyPr rtlCol="0" anchor="ctr"/>
+          <a:lstStyle/>
+          <a:p>
+            <a:pPr algn="ctr"/>
+            <a:r>
+              <a:rPr lang="en-US" altLang="zh-CN" dirty="0" smtClean="0"/>
+              <a:t>[Object]dog1</a:t>
+            </a:r>
+            <a:endParaRPr lang="zh-CN" altLang="en-US" dirty="0"/>
+          </a:p>
+        </p:txBody>
+      </p:sp>
+      <p:sp>
+        <p:nvSpPr>
+          <p:cNvPr id="13" name="矩形 12"/>
+          <p:cNvSpPr/>
+          <p:nvPr/>
+        </p:nvSpPr>
+        <p:spPr>
+          <a:xfrm>
+            <a:off x="301657" y="5426163"/>
+            <a:ext cx="2080000" cy="500066"/>
+          </a:xfrm>
+          <a:prstGeom prst="rect">
+            <a:avLst/>
+          </a:prstGeom>
+        </p:spPr>
+        <p:style>
+          <a:lnRef idx="2">
+            <a:schemeClr val="accent2"/>
+          </a:lnRef>
+          <a:fillRef idx="1">
+            <a:schemeClr val="lt1"/>
+          </a:fillRef>
+          <a:effectRef idx="0">
+            <a:schemeClr val="accent2"/>
+          </a:effectRef>
+          <a:fontRef idx="minor">
+            <a:schemeClr val="dk1"/>
+          </a:fontRef>
+        </p:style>
+        <p:txBody>
+          <a:bodyPr rtlCol="0" anchor="ctr"/>
+          <a:lstStyle/>
+          <a:p>
+            <a:pPr algn="ctr"/>
+            <a:r>
+              <a:rPr lang="en-US" altLang="zh-CN" dirty="0" smtClean="0"/>
+              <a:t>_proto_</a:t>
+            </a:r>
+          </a:p>
+        </p:txBody>
+      </p:sp>
+      <p:sp>
+        <p:nvSpPr>
+          <p:cNvPr id="14" name="下箭头 13"/>
+          <p:cNvSpPr/>
+          <p:nvPr/>
+        </p:nvSpPr>
+        <p:spPr>
+          <a:xfrm>
+            <a:off x="1497846" y="4109722"/>
+            <a:ext cx="214314" cy="714380"/>
+          </a:xfrm>
+          <a:prstGeom prst="downArrow">
+            <a:avLst/>
+          </a:prstGeom>
+        </p:spPr>
+        <p:style>
+          <a:lnRef idx="2">
+            <a:schemeClr val="accent1">
+              <a:shade val="50000"/>
+            </a:schemeClr>
+          </a:lnRef>
+          <a:fillRef idx="1">
+            <a:schemeClr val="accent1"/>
+          </a:fillRef>
+          <a:effectRef idx="0">
+            <a:schemeClr val="accent1"/>
+          </a:effectRef>
+          <a:fontRef idx="minor">
+            <a:schemeClr val="lt1"/>
+          </a:fontRef>
+        </p:style>
+        <p:txBody>
+          <a:bodyPr rtlCol="0" anchor="ctr"/>
+          <a:lstStyle/>
+          <a:p>
+            <a:pPr algn="ctr"/>
+            <a:endParaRPr lang="zh-CN" altLang="en-US"/>
+          </a:p>
+        </p:txBody>
+      </p:sp>
+      <p:sp>
+        <p:nvSpPr>
+          <p:cNvPr id="15" name="TextBox 14"/>
+          <p:cNvSpPr txBox="1"/>
+          <p:nvPr/>
+        </p:nvSpPr>
+        <p:spPr>
+          <a:xfrm>
+            <a:off x="1712160" y="4181160"/>
+            <a:ext cx="1153329" cy="369332"/>
+          </a:xfrm>
+          <a:prstGeom prst="rect">
+            <a:avLst/>
+          </a:prstGeom>
+          <a:noFill/>
+        </p:spPr>
+        <p:txBody>
+          <a:bodyPr wrap="none" rtlCol="0">
+            <a:spAutoFit/>
+          </a:bodyPr>
+          <a:lstStyle/>
+          <a:p>
+            <a:r>
+              <a:rPr lang="en-US" altLang="zh-CN" dirty="0" smtClean="0"/>
+              <a:t>new Dog()</a:t>
+            </a:r>
+            <a:endParaRPr lang="zh-CN" altLang="en-US" dirty="0"/>
+          </a:p>
+        </p:txBody>
+      </p:sp>
+      <p:sp>
+        <p:nvSpPr>
+          <p:cNvPr id="16" name="矩形 15"/>
+          <p:cNvSpPr/>
+          <p:nvPr/>
+        </p:nvSpPr>
+        <p:spPr>
+          <a:xfrm>
+            <a:off x="301656" y="5913354"/>
+            <a:ext cx="2080000" cy="500066"/>
+          </a:xfrm>
+          <a:prstGeom prst="rect">
+            <a:avLst/>
+          </a:prstGeom>
+        </p:spPr>
+        <p:style>
+          <a:lnRef idx="2">
+            <a:schemeClr val="accent2"/>
+          </a:lnRef>
+          <a:fillRef idx="1">
+            <a:schemeClr val="lt1"/>
+          </a:fillRef>
+          <a:effectRef idx="0">
+            <a:schemeClr val="accent2"/>
+          </a:effectRef>
+          <a:fontRef idx="minor">
+            <a:schemeClr val="dk1"/>
+          </a:fontRef>
+        </p:style>
+        <p:txBody>
+          <a:bodyPr rtlCol="0" anchor="ctr"/>
+          <a:lstStyle/>
+          <a:p>
+            <a:pPr algn="ctr"/>
+            <a:r>
+              <a:rPr lang="en-US" altLang="zh-CN" dirty="0" smtClean="0">
+                <a:solidFill>
+                  <a:srgbClr val="FF0000"/>
+                </a:solidFill>
+              </a:rPr>
+              <a:t>name=</a:t>
+            </a:r>
+            <a:r>
+              <a:rPr lang="en-US" altLang="zh-CN" dirty="0" err="1" smtClean="0">
+                <a:solidFill>
+                  <a:srgbClr val="FF0000"/>
+                </a:solidFill>
+              </a:rPr>
+              <a:t>wangcai</a:t>
+            </a:r>
+            <a:endParaRPr lang="en-US" altLang="zh-CN" dirty="0" smtClean="0">
+              <a:solidFill>
+                <a:srgbClr val="FF0000"/>
+              </a:solidFill>
+            </a:endParaRPr>
+          </a:p>
+        </p:txBody>
+      </p:sp>
+      <p:sp>
+        <p:nvSpPr>
+          <p:cNvPr id="19" name="矩形 18"/>
+          <p:cNvSpPr/>
+          <p:nvPr/>
+        </p:nvSpPr>
+        <p:spPr>
+          <a:xfrm>
+            <a:off x="3851920" y="266384"/>
+            <a:ext cx="2786082" cy="428628"/>
+          </a:xfrm>
+          <a:prstGeom prst="rect">
+            <a:avLst/>
+          </a:prstGeom>
+        </p:spPr>
+        <p:style>
+          <a:lnRef idx="2">
+            <a:schemeClr val="accent5">
+              <a:shade val="50000"/>
+            </a:schemeClr>
+          </a:lnRef>
+          <a:fillRef idx="1">
+            <a:schemeClr val="accent5"/>
+          </a:fillRef>
+          <a:effectRef idx="0">
+            <a:schemeClr val="accent5"/>
+          </a:effectRef>
+          <a:fontRef idx="minor">
+            <a:schemeClr val="lt1"/>
+          </a:fontRef>
+        </p:style>
+        <p:txBody>
+          <a:bodyPr rtlCol="0" anchor="ctr"/>
+          <a:lstStyle/>
+          <a:p>
+            <a:pPr algn="ctr"/>
+            <a:r>
+              <a:rPr lang="en-US" altLang="zh-CN" smtClean="0"/>
+              <a:t>[Object] prototype</a:t>
+            </a:r>
+            <a:endParaRPr lang="zh-CN" altLang="en-US"/>
+          </a:p>
+        </p:txBody>
+      </p:sp>
+      <p:sp>
+        <p:nvSpPr>
+          <p:cNvPr id="22" name="矩形 21"/>
+          <p:cNvSpPr/>
+          <p:nvPr/>
+        </p:nvSpPr>
+        <p:spPr>
+          <a:xfrm>
+            <a:off x="3851920" y="695012"/>
+            <a:ext cx="2786082" cy="500066"/>
+          </a:xfrm>
+          <a:prstGeom prst="rect">
+            <a:avLst/>
+          </a:prstGeom>
+        </p:spPr>
+        <p:style>
+          <a:lnRef idx="2">
+            <a:schemeClr val="accent5"/>
+          </a:lnRef>
+          <a:fillRef idx="1">
+            <a:schemeClr val="lt1"/>
+          </a:fillRef>
+          <a:effectRef idx="0">
+            <a:schemeClr val="accent5"/>
+          </a:effectRef>
+          <a:fontRef idx="minor">
+            <a:schemeClr val="dk1"/>
+          </a:fontRef>
+        </p:style>
+        <p:txBody>
+          <a:bodyPr rtlCol="0" anchor="ctr"/>
+          <a:lstStyle/>
+          <a:p>
+            <a:pPr algn="ctr"/>
+            <a:r>
+              <a:rPr lang="en-US" altLang="zh-CN" dirty="0">
+                <a:latin typeface="微软雅黑" pitchFamily="34" charset="-122"/>
+                <a:ea typeface="微软雅黑" pitchFamily="34" charset="-122"/>
+              </a:rPr>
+              <a:t>species</a:t>
+            </a:r>
+            <a:endParaRPr lang="en-US" altLang="zh-CN" dirty="0" smtClean="0"/>
+          </a:p>
+        </p:txBody>
+      </p:sp>
+      <p:sp>
+        <p:nvSpPr>
+          <p:cNvPr id="23" name="矩形 22"/>
+          <p:cNvSpPr/>
+          <p:nvPr/>
+        </p:nvSpPr>
+        <p:spPr>
+          <a:xfrm>
+            <a:off x="6444208" y="3980896"/>
+            <a:ext cx="2520280" cy="434591"/>
+          </a:xfrm>
+          <a:prstGeom prst="rect">
+            <a:avLst/>
+          </a:prstGeom>
+        </p:spPr>
+        <p:style>
+          <a:lnRef idx="2">
+            <a:schemeClr val="accent5">
+              <a:shade val="50000"/>
+            </a:schemeClr>
+          </a:lnRef>
+          <a:fillRef idx="1">
+            <a:schemeClr val="accent5"/>
+          </a:fillRef>
+          <a:effectRef idx="0">
+            <a:schemeClr val="accent5"/>
+          </a:effectRef>
+          <a:fontRef idx="minor">
+            <a:schemeClr val="lt1"/>
+          </a:fontRef>
+        </p:style>
+        <p:txBody>
+          <a:bodyPr rtlCol="0" anchor="ctr"/>
+          <a:lstStyle/>
+          <a:p>
+            <a:pPr algn="ctr"/>
+            <a:r>
+              <a:rPr lang="en-US" altLang="zh-CN" smtClean="0"/>
+              <a:t>[Function] </a:t>
+            </a:r>
+            <a:endParaRPr lang="zh-CN" altLang="en-US"/>
+          </a:p>
+        </p:txBody>
+      </p:sp>
+      <p:sp>
+        <p:nvSpPr>
+          <p:cNvPr id="24" name="矩形 23"/>
+          <p:cNvSpPr/>
+          <p:nvPr/>
+        </p:nvSpPr>
+        <p:spPr>
+          <a:xfrm>
+            <a:off x="6444208" y="4415487"/>
+            <a:ext cx="2520280" cy="1158909"/>
+          </a:xfrm>
+          <a:prstGeom prst="rect">
+            <a:avLst/>
+          </a:prstGeom>
+        </p:spPr>
+        <p:style>
+          <a:lnRef idx="2">
+            <a:schemeClr val="accent5"/>
+          </a:lnRef>
+          <a:fillRef idx="1">
+            <a:schemeClr val="lt1"/>
+          </a:fillRef>
+          <a:effectRef idx="0">
+            <a:schemeClr val="accent5"/>
+          </a:effectRef>
+          <a:fontRef idx="minor">
+            <a:schemeClr val="dk1"/>
+          </a:fontRef>
+        </p:style>
+        <p:txBody>
+          <a:bodyPr rtlCol="0" anchor="ctr"/>
+          <a:lstStyle/>
+          <a:p>
+            <a:r>
+              <a:rPr lang="en-US" altLang="zh-CN" dirty="0" smtClean="0"/>
+              <a:t>function(){</a:t>
+            </a:r>
+            <a:br>
+              <a:rPr lang="en-US" altLang="zh-CN" dirty="0" smtClean="0"/>
+            </a:br>
+            <a:r>
+              <a:rPr lang="en-US" altLang="zh-CN" dirty="0" smtClean="0"/>
+              <a:t> </a:t>
+            </a:r>
+            <a:r>
+              <a:rPr lang="en-US" altLang="zh-CN" dirty="0"/>
+              <a:t>   alert( this.name +‘ </a:t>
+            </a:r>
+            <a:r>
+              <a:rPr lang="en-US" altLang="zh-CN" dirty="0" err="1"/>
+              <a:t>wang</a:t>
+            </a:r>
+            <a:r>
+              <a:rPr lang="en-US" altLang="zh-CN" dirty="0"/>
+              <a:t>!’)</a:t>
+            </a:r>
+            <a:r>
+              <a:rPr lang="en-US" altLang="zh-CN" dirty="0" smtClean="0"/>
+              <a:t/>
+            </a:r>
+            <a:br>
+              <a:rPr lang="en-US" altLang="zh-CN" dirty="0" smtClean="0"/>
+            </a:br>
+            <a:r>
+              <a:rPr lang="en-US" altLang="zh-CN" dirty="0" smtClean="0"/>
+              <a:t>}</a:t>
+            </a:r>
+          </a:p>
+        </p:txBody>
+      </p:sp>
+      <p:cxnSp>
+        <p:nvCxnSpPr>
+          <p:cNvPr id="8" name="直接箭头连接符 7"/>
+          <p:cNvCxnSpPr>
+            <a:stCxn id="7" idx="3"/>
+            <a:endCxn id="22" idx="1"/>
+          </p:cNvCxnSpPr>
+          <p:nvPr/>
+        </p:nvCxnSpPr>
+        <p:spPr>
+          <a:xfrm>
+            <a:off x="3160703" y="939309"/>
+            <a:ext cx="691217" cy="5736"/>
+          </a:xfrm>
+          <a:prstGeom prst="straightConnector1">
+            <a:avLst/>
+          </a:prstGeom>
+          <a:ln>
+            <a:tailEnd type="arrow"/>
+          </a:ln>
+        </p:spPr>
+        <p:style>
+          <a:lnRef idx="1">
+            <a:schemeClr val="accent1"/>
+          </a:lnRef>
+          <a:fillRef idx="0">
+            <a:schemeClr val="accent1"/>
+          </a:fillRef>
+          <a:effectRef idx="0">
+            <a:schemeClr val="accent1"/>
+          </a:effectRef>
+          <a:fontRef idx="minor">
+            <a:schemeClr val="tx1"/>
+          </a:fontRef>
+        </p:style>
+      </p:cxnSp>
+      <p:sp>
+        <p:nvSpPr>
+          <p:cNvPr id="25" name="矩形 24"/>
+          <p:cNvSpPr/>
+          <p:nvPr/>
+        </p:nvSpPr>
+        <p:spPr>
+          <a:xfrm>
+            <a:off x="3851920" y="1831476"/>
+            <a:ext cx="2786082" cy="428628"/>
+          </a:xfrm>
+          <a:prstGeom prst="rect">
+            <a:avLst/>
+          </a:prstGeom>
+        </p:spPr>
+        <p:style>
+          <a:lnRef idx="2">
+            <a:schemeClr val="accent2"/>
+          </a:lnRef>
+          <a:fillRef idx="1">
+            <a:schemeClr val="lt1"/>
+          </a:fillRef>
+          <a:effectRef idx="0">
+            <a:schemeClr val="accent2"/>
+          </a:effectRef>
+          <a:fontRef idx="minor">
+            <a:schemeClr val="dk1"/>
+          </a:fontRef>
+        </p:style>
+        <p:txBody>
+          <a:bodyPr rtlCol="0" anchor="ctr"/>
+          <a:lstStyle/>
+          <a:p>
+            <a:pPr algn="ctr"/>
+            <a:r>
+              <a:rPr lang="en-US" altLang="zh-CN" dirty="0" smtClean="0"/>
+              <a:t>[</a:t>
+            </a:r>
+            <a:r>
+              <a:rPr lang="en-US" altLang="zh-CN" dirty="0" smtClean="0"/>
+              <a:t>Object]F</a:t>
+            </a:r>
+            <a:endParaRPr lang="zh-CN" altLang="en-US" dirty="0"/>
+          </a:p>
+        </p:txBody>
+      </p:sp>
+      <p:sp>
+        <p:nvSpPr>
+          <p:cNvPr id="26" name="矩形 25"/>
+          <p:cNvSpPr/>
+          <p:nvPr/>
+        </p:nvSpPr>
+        <p:spPr>
+          <a:xfrm>
+            <a:off x="3851920" y="2260104"/>
+            <a:ext cx="2786082" cy="500066"/>
+          </a:xfrm>
+          <a:prstGeom prst="rect">
+            <a:avLst/>
+          </a:prstGeom>
+        </p:spPr>
+        <p:style>
+          <a:lnRef idx="2">
+            <a:schemeClr val="accent2"/>
+          </a:lnRef>
+          <a:fillRef idx="1">
+            <a:schemeClr val="lt1"/>
+          </a:fillRef>
+          <a:effectRef idx="0">
+            <a:schemeClr val="accent2"/>
+          </a:effectRef>
+          <a:fontRef idx="minor">
+            <a:schemeClr val="dk1"/>
+          </a:fontRef>
+        </p:style>
+        <p:txBody>
+          <a:bodyPr rtlCol="0" anchor="ctr"/>
+          <a:lstStyle/>
+          <a:p>
+            <a:pPr algn="ctr"/>
+            <a:r>
+              <a:rPr lang="en-US" altLang="zh-CN" dirty="0" smtClean="0"/>
+              <a:t>_proto_</a:t>
+            </a:r>
+          </a:p>
+        </p:txBody>
+      </p:sp>
+      <p:cxnSp>
+        <p:nvCxnSpPr>
+          <p:cNvPr id="29" name="肘形连接符 28"/>
+          <p:cNvCxnSpPr>
+            <a:stCxn id="26" idx="3"/>
+            <a:endCxn id="19" idx="3"/>
+          </p:cNvCxnSpPr>
+          <p:nvPr/>
+        </p:nvCxnSpPr>
+        <p:spPr>
+          <a:xfrm flipV="1">
+            <a:off x="6638002" y="480698"/>
+            <a:ext cx="12700" cy="2029439"/>
+          </a:xfrm>
+          <a:prstGeom prst="bentConnector3">
+            <a:avLst>
+              <a:gd name="adj1" fmla="val 1800000"/>
+            </a:avLst>
+          </a:prstGeom>
+          <a:ln>
+            <a:tailEnd type="arrow"/>
+          </a:ln>
+        </p:spPr>
+        <p:style>
+          <a:lnRef idx="1">
+            <a:schemeClr val="accent1"/>
+          </a:lnRef>
+          <a:fillRef idx="0">
+            <a:schemeClr val="accent1"/>
+          </a:fillRef>
+          <a:effectRef idx="0">
+            <a:schemeClr val="accent1"/>
+          </a:effectRef>
+          <a:fontRef idx="minor">
+            <a:schemeClr val="tx1"/>
+          </a:fontRef>
+        </p:style>
+      </p:cxnSp>
+      <p:cxnSp>
+        <p:nvCxnSpPr>
+          <p:cNvPr id="31" name="肘形连接符 30"/>
+          <p:cNvCxnSpPr>
+            <a:endCxn id="23" idx="0"/>
+          </p:cNvCxnSpPr>
+          <p:nvPr/>
+        </p:nvCxnSpPr>
+        <p:spPr>
+          <a:xfrm>
+            <a:off x="6638002" y="3010203"/>
+            <a:ext cx="1066346" cy="970693"/>
+          </a:xfrm>
+          <a:prstGeom prst="bentConnector2">
+            <a:avLst/>
+          </a:prstGeom>
+          <a:ln>
+            <a:tailEnd type="arrow"/>
+          </a:ln>
+        </p:spPr>
+        <p:style>
+          <a:lnRef idx="1">
+            <a:schemeClr val="accent1"/>
+          </a:lnRef>
+          <a:fillRef idx="0">
+            <a:schemeClr val="accent1"/>
+          </a:fillRef>
+          <a:effectRef idx="0">
+            <a:schemeClr val="accent1"/>
+          </a:effectRef>
+          <a:fontRef idx="minor">
+            <a:schemeClr val="tx1"/>
+          </a:fontRef>
+        </p:style>
+      </p:cxnSp>
+      <p:cxnSp>
+        <p:nvCxnSpPr>
+          <p:cNvPr id="33" name="肘形连接符 32"/>
+          <p:cNvCxnSpPr>
+            <a:stCxn id="13" idx="3"/>
+            <a:endCxn id="25" idx="1"/>
+          </p:cNvCxnSpPr>
+          <p:nvPr/>
+        </p:nvCxnSpPr>
+        <p:spPr>
+          <a:xfrm flipV="1">
+            <a:off x="2381657" y="2045790"/>
+            <a:ext cx="1470263" cy="3630406"/>
+          </a:xfrm>
+          <a:prstGeom prst="bentConnector3">
+            <a:avLst>
+              <a:gd name="adj1" fmla="val 74186"/>
+            </a:avLst>
+          </a:prstGeom>
+          <a:ln>
+            <a:tailEnd type="arrow"/>
+          </a:ln>
+        </p:spPr>
+        <p:style>
+          <a:lnRef idx="1">
+            <a:schemeClr val="accent1"/>
+          </a:lnRef>
+          <a:fillRef idx="0">
+            <a:schemeClr val="accent1"/>
+          </a:fillRef>
+          <a:effectRef idx="0">
+            <a:schemeClr val="accent1"/>
+          </a:effectRef>
+          <a:fontRef idx="minor">
+            <a:schemeClr val="tx1"/>
+          </a:fontRef>
+        </p:style>
+      </p:cxnSp>
+      <p:sp>
+        <p:nvSpPr>
+          <p:cNvPr id="35" name="矩形 34"/>
+          <p:cNvSpPr/>
+          <p:nvPr/>
+        </p:nvSpPr>
+        <p:spPr>
+          <a:xfrm>
+            <a:off x="301656" y="6413420"/>
+            <a:ext cx="2080000" cy="500066"/>
+          </a:xfrm>
+          <a:prstGeom prst="rect">
+            <a:avLst/>
+          </a:prstGeom>
+        </p:spPr>
+        <p:style>
+          <a:lnRef idx="2">
+            <a:schemeClr val="accent2"/>
+          </a:lnRef>
+          <a:fillRef idx="1">
+            <a:schemeClr val="lt1"/>
+          </a:fillRef>
+          <a:effectRef idx="0">
+            <a:schemeClr val="accent2"/>
+          </a:effectRef>
+          <a:fontRef idx="minor">
+            <a:schemeClr val="dk1"/>
+          </a:fontRef>
+        </p:style>
+        <p:txBody>
+          <a:bodyPr rtlCol="0" anchor="ctr"/>
+          <a:lstStyle/>
+          <a:p>
+            <a:pPr algn="ctr"/>
+            <a:r>
+              <a:rPr lang="en-US" altLang="zh-CN" dirty="0" smtClean="0">
+                <a:solidFill>
+                  <a:srgbClr val="FF0000"/>
+                </a:solidFill>
+              </a:rPr>
+              <a:t>color -&gt; [</a:t>
+            </a:r>
+            <a:r>
+              <a:rPr lang="en-US" altLang="zh-CN" dirty="0" err="1" smtClean="0">
+                <a:solidFill>
+                  <a:srgbClr val="FF0000"/>
+                </a:solidFill>
+              </a:rPr>
+              <a:t>r,g,b,black</a:t>
+            </a:r>
+            <a:r>
+              <a:rPr lang="en-US" altLang="zh-CN" dirty="0" smtClean="0">
+                <a:solidFill>
+                  <a:srgbClr val="FF0000"/>
+                </a:solidFill>
+              </a:rPr>
+              <a:t>]</a:t>
+            </a:r>
+          </a:p>
+        </p:txBody>
+      </p:sp>
+      <p:cxnSp>
+        <p:nvCxnSpPr>
+          <p:cNvPr id="39" name="肘形连接符 38"/>
+          <p:cNvCxnSpPr>
+            <a:stCxn id="10" idx="3"/>
+            <a:endCxn id="25" idx="1"/>
+          </p:cNvCxnSpPr>
+          <p:nvPr/>
+        </p:nvCxnSpPr>
+        <p:spPr>
+          <a:xfrm flipV="1">
+            <a:off x="3105201" y="2045790"/>
+            <a:ext cx="746719" cy="1559601"/>
+          </a:xfrm>
+          <a:prstGeom prst="bentConnector3">
+            <a:avLst>
+              <a:gd name="adj1" fmla="val 50000"/>
+            </a:avLst>
+          </a:prstGeom>
+          <a:ln>
+            <a:tailEnd type="arrow"/>
+          </a:ln>
+        </p:spPr>
+        <p:style>
+          <a:lnRef idx="1">
+            <a:schemeClr val="accent1"/>
+          </a:lnRef>
+          <a:fillRef idx="0">
+            <a:schemeClr val="accent1"/>
+          </a:fillRef>
+          <a:effectRef idx="0">
+            <a:schemeClr val="accent1"/>
+          </a:effectRef>
+          <a:fontRef idx="minor">
+            <a:schemeClr val="tx1"/>
+          </a:fontRef>
+        </p:style>
+      </p:cxnSp>
+      <p:sp>
+        <p:nvSpPr>
+          <p:cNvPr id="34" name="矩形 8"/>
+          <p:cNvSpPr/>
+          <p:nvPr/>
+        </p:nvSpPr>
+        <p:spPr>
+          <a:xfrm>
+            <a:off x="343179" y="1416196"/>
+            <a:ext cx="2786082" cy="428628"/>
+          </a:xfrm>
+          <a:prstGeom prst="rect">
+            <a:avLst/>
+          </a:prstGeom>
+        </p:spPr>
+        <p:style>
+          <a:lnRef idx="2">
+            <a:schemeClr val="accent5">
+              <a:shade val="50000"/>
+            </a:schemeClr>
+          </a:lnRef>
+          <a:fillRef idx="1">
+            <a:schemeClr val="accent5"/>
+          </a:fillRef>
+          <a:effectRef idx="0">
+            <a:schemeClr val="accent5"/>
+          </a:effectRef>
+          <a:fontRef idx="minor">
+            <a:schemeClr val="lt1"/>
+          </a:fontRef>
+        </p:style>
+        <p:txBody>
+          <a:bodyPr rtlCol="0" anchor="ctr"/>
+          <a:lstStyle/>
+          <a:p>
+            <a:pPr algn="ctr"/>
+            <a:r>
+              <a:rPr lang="en-US" altLang="zh-CN" dirty="0" smtClean="0"/>
+              <a:t>[</a:t>
+            </a:r>
+            <a:r>
+              <a:rPr lang="en-US" altLang="zh-CN" dirty="0" smtClean="0"/>
+              <a:t>Function]F</a:t>
+            </a:r>
+            <a:endParaRPr lang="zh-CN" altLang="en-US" dirty="0"/>
+          </a:p>
+        </p:txBody>
+      </p:sp>
+      <p:sp>
+        <p:nvSpPr>
+          <p:cNvPr id="38" name="矩形 9"/>
+          <p:cNvSpPr/>
+          <p:nvPr/>
+        </p:nvSpPr>
+        <p:spPr>
+          <a:xfrm>
+            <a:off x="343179" y="1844824"/>
+            <a:ext cx="2786082" cy="500066"/>
+          </a:xfrm>
+          <a:prstGeom prst="rect">
+            <a:avLst/>
+          </a:prstGeom>
+        </p:spPr>
+        <p:style>
+          <a:lnRef idx="2">
+            <a:schemeClr val="accent5"/>
+          </a:lnRef>
+          <a:fillRef idx="1">
+            <a:schemeClr val="lt1"/>
+          </a:fillRef>
+          <a:effectRef idx="0">
+            <a:schemeClr val="accent5"/>
+          </a:effectRef>
+          <a:fontRef idx="minor">
+            <a:schemeClr val="dk1"/>
+          </a:fontRef>
+        </p:style>
+        <p:txBody>
+          <a:bodyPr rtlCol="0" anchor="ctr"/>
+          <a:lstStyle/>
+          <a:p>
+            <a:pPr algn="ctr"/>
+            <a:r>
+              <a:rPr lang="en-US" altLang="zh-CN" dirty="0" smtClean="0"/>
+              <a:t>prototype</a:t>
+            </a:r>
+          </a:p>
+        </p:txBody>
+      </p:sp>
+      <p:cxnSp>
+        <p:nvCxnSpPr>
+          <p:cNvPr id="40" name="直接箭头连接符 7"/>
+          <p:cNvCxnSpPr>
+            <a:stCxn id="38" idx="3"/>
+          </p:cNvCxnSpPr>
+          <p:nvPr/>
+        </p:nvCxnSpPr>
+        <p:spPr>
+          <a:xfrm flipV="1">
+            <a:off x="3129261" y="689276"/>
+            <a:ext cx="722659" cy="1405581"/>
+          </a:xfrm>
+          <a:prstGeom prst="straightConnector1">
+            <a:avLst/>
+          </a:prstGeom>
+          <a:ln>
+            <a:tailEnd type="arrow"/>
+          </a:ln>
+        </p:spPr>
+        <p:style>
+          <a:lnRef idx="1">
+            <a:schemeClr val="accent1"/>
+          </a:lnRef>
+          <a:fillRef idx="0">
+            <a:schemeClr val="accent1"/>
+          </a:fillRef>
+          <a:effectRef idx="0">
+            <a:schemeClr val="accent1"/>
+          </a:effectRef>
+          <a:fontRef idx="minor">
+            <a:schemeClr val="tx1"/>
+          </a:fontRef>
+        </p:style>
+      </p:cxnSp>
+    </p:spTree>
+    <p:extLst>
+      <p:ext uri="{BB962C8B-B14F-4D97-AF65-F5344CB8AC3E}">
+        <p14:creationId xmlns:p14="http://schemas.microsoft.com/office/powerpoint/2010/main" val="3361744453"/>
+      </p:ext>
+    </p:extLst>
+  </p:cSld>
+  <p:clrMapOvr>
+    <a:masterClrMapping/>
+  </p:clrMapOvr>
+  <p:timing>
+    <p:tnLst>
+      <p:par>
+        <p:cTn id="1" dur="indefinite" restart="never" nodeType="tmRoot"/>
+      </p:par>
+    </p:tnLst>
+  </p:timing>
+</p:sld>
+</file>
+
+<file path=ppt/slides/slide32.xml><?xml version="1.0" encoding="utf-8"?>
+<p:sld xmlns:a="http://schemas.openxmlformats.org/drawingml/2006/main" xmlns:r="http://schemas.openxmlformats.org/officeDocument/2006/relationships" xmlns:p="http://schemas.openxmlformats.org/presentationml/2006/main">
+  <p:cSld>
+    <p:spTree>
+      <p:nvGrpSpPr>
+        <p:cNvPr id="1" name=""/>
+        <p:cNvGrpSpPr/>
+        <p:nvPr/>
+      </p:nvGrpSpPr>
+      <p:grpSpPr>
+        <a:xfrm>
+          <a:off x="0" y="0"/>
+          <a:ext cx="0" cy="0"/>
+          <a:chOff x="0" y="0"/>
+          <a:chExt cx="0" cy="0"/>
+        </a:xfrm>
+      </p:grpSpPr>
+      <p:sp>
+        <p:nvSpPr>
           <p:cNvPr id="3" name="标题 1"/>
           <p:cNvSpPr>
             <a:spLocks noGrp="1"/>
@@ -19461,7 +20705,6 @@
               <a:rPr lang="en-US" altLang="zh-CN" dirty="0" smtClean="0"/>
               <a:t>in</a:t>
             </a:r>
-            <a:endParaRPr lang="en-US" altLang="zh-CN" dirty="0" smtClean="0"/>
           </a:p>
           <a:p>
             <a:endParaRPr lang="zh-CN" altLang="en-US" dirty="0"/>
@@ -20739,7 +21982,18 @@
                 <a:ea typeface="微软雅黑" pitchFamily="34" charset="-122"/>
                 <a:cs typeface="Meiryo UI" pitchFamily="34" charset="-128"/>
               </a:rPr>
-              <a:t>cat1,[‘hello ’]</a:t>
+              <a:t>cat1,[‘hello </a:t>
+            </a:r>
+            <a:r>
+              <a:rPr lang="en-US" altLang="zh-CN" sz="2000" dirty="0" smtClean="0">
+                <a:solidFill>
+                  <a:srgbClr val="FF0000"/>
+                </a:solidFill>
+                <a:latin typeface="微软雅黑" pitchFamily="34" charset="-122"/>
+                <a:ea typeface="微软雅黑" pitchFamily="34" charset="-122"/>
+                <a:cs typeface="Meiryo UI" pitchFamily="34" charset="-128"/>
+              </a:rPr>
+              <a:t>’,arg2,arg3]</a:t>
             </a:r>
             <a:r>
               <a:rPr lang="en-US" altLang="zh-CN" sz="2000" dirty="0" smtClean="0">
@@ -20821,7 +22075,18 @@
                 <a:ea typeface="微软雅黑" pitchFamily="34" charset="-122"/>
                 <a:cs typeface="Meiryo UI" pitchFamily="34" charset="-128"/>
               </a:rPr>
-              <a:t>cat1,’hello ’</a:t>
+              <a:t>cat1,’hello </a:t>
+            </a:r>
+            <a:r>
+              <a:rPr lang="en-US" altLang="zh-CN" sz="2000" dirty="0" smtClean="0">
+                <a:solidFill>
+                  <a:srgbClr val="FF0000"/>
+                </a:solidFill>
+                <a:latin typeface="微软雅黑" pitchFamily="34" charset="-122"/>
+                <a:ea typeface="微软雅黑" pitchFamily="34" charset="-122"/>
+                <a:cs typeface="Meiryo UI" pitchFamily="34" charset="-128"/>
+              </a:rPr>
+              <a:t>,arg2,arg3</a:t>
             </a:r>
             <a:r>
               <a:rPr lang="en-US" altLang="zh-CN" sz="2000" dirty="0" smtClean="0">
